--- a/11_Mobile_Application_Security_Testing_(MAST).pptx
+++ b/11_Mobile_Application_Security_Testing_(MAST).pptx
@@ -111,7 +111,57 @@
       </a:defRPr>
     </a:lvl9pPr>
   </p:defaultTextStyle>
+  <p:extLst>
+    <p:ext uri="{EFAFB233-063F-42B5-8137-9DF3F51BA10A}">
+      <p15:sldGuideLst xmlns:p15="http://schemas.microsoft.com/office/powerpoint/2012/main"/>
+    </p:ext>
+  </p:extLst>
 </p:presentation>
+</file>
+
+<file path=ppt/revisionInfo.xml><?xml version="1.0" encoding="utf-8"?>
+<p1510:revInfo xmlns:a="http://schemas.openxmlformats.org/drawingml/2006/main" xmlns:r="http://schemas.openxmlformats.org/officeDocument/2006/relationships" xmlns:p1510="http://schemas.microsoft.com/office/powerpoint/2015/10/main">
+  <p1510:revLst>
+    <p1510:client id="{525A6D43-6181-4AA4-9BB9-AD93BB30AB2E}" v="1" dt="2025-09-04T08:48:47.490"/>
+  </p1510:revLst>
+</p1510:revInfo>
+</file>
+
+<file path=ppt/changesInfos/changesInfo1.xml><?xml version="1.0" encoding="utf-8"?>
+<pc:chgInfo xmlns:a="http://schemas.openxmlformats.org/drawingml/2006/main" xmlns:r="http://schemas.openxmlformats.org/officeDocument/2006/relationships" xmlns:ac="http://schemas.microsoft.com/office/drawing/2013/main/command" xmlns:pc="http://schemas.microsoft.com/office/powerpoint/2013/main/command">
+  <pc:docChgLst>
+    <pc:chgData name="DevOps Security" userId="a8b5d6ee3a09ac59" providerId="LiveId" clId="{525A6D43-6181-4AA4-9BB9-AD93BB30AB2E}"/>
+    <pc:docChg chg="custSel modSld">
+      <pc:chgData name="DevOps Security" userId="a8b5d6ee3a09ac59" providerId="LiveId" clId="{525A6D43-6181-4AA4-9BB9-AD93BB30AB2E}" dt="2025-09-04T08:48:47.489" v="1"/>
+      <pc:docMkLst>
+        <pc:docMk/>
+      </pc:docMkLst>
+      <pc:sldChg chg="addSp delSp modSp mod">
+        <pc:chgData name="DevOps Security" userId="a8b5d6ee3a09ac59" providerId="LiveId" clId="{525A6D43-6181-4AA4-9BB9-AD93BB30AB2E}" dt="2025-09-04T08:48:47.489" v="1"/>
+        <pc:sldMkLst>
+          <pc:docMk/>
+          <pc:sldMk cId="1047822310" sldId="256"/>
+        </pc:sldMkLst>
+        <pc:picChg chg="add mod">
+          <ac:chgData name="DevOps Security" userId="a8b5d6ee3a09ac59" providerId="LiveId" clId="{525A6D43-6181-4AA4-9BB9-AD93BB30AB2E}" dt="2025-09-04T08:48:47.489" v="1"/>
+          <ac:picMkLst>
+            <pc:docMk/>
+            <pc:sldMk cId="1047822310" sldId="256"/>
+            <ac:picMk id="3" creationId="{13C4CA71-D37F-9333-F9B2-B75EBB5ACB4F}"/>
+          </ac:picMkLst>
+        </pc:picChg>
+        <pc:picChg chg="del">
+          <ac:chgData name="DevOps Security" userId="a8b5d6ee3a09ac59" providerId="LiveId" clId="{525A6D43-6181-4AA4-9BB9-AD93BB30AB2E}" dt="2025-09-04T08:48:42.538" v="0" actId="478"/>
+          <ac:picMkLst>
+            <pc:docMk/>
+            <pc:sldMk cId="1047822310" sldId="256"/>
+            <ac:picMk id="5" creationId="{CCEFF5BF-098C-EBE9-21FD-8071B9F3C227}"/>
+          </ac:picMkLst>
+        </pc:picChg>
+      </pc:sldChg>
+    </pc:docChg>
+  </pc:docChgLst>
+</pc:chgInfo>
 </file>
 
 <file path=ppt/slideLayouts/slideLayout1.xml><?xml version="1.0" encoding="utf-8"?>
@@ -263,7 +313,7 @@
           <a:p>
             <a:fld id="{84DD7F98-00CF-4D11-B35F-D5A1B70128AE}" type="datetimeFigureOut">
               <a:rPr lang="en-IN" smtClean="0"/>
-              <a:t>01-09-2025</a:t>
+              <a:t>04-09-2025</a:t>
             </a:fld>
             <a:endParaRPr lang="en-IN"/>
           </a:p>
@@ -463,7 +513,7 @@
           <a:p>
             <a:fld id="{84DD7F98-00CF-4D11-B35F-D5A1B70128AE}" type="datetimeFigureOut">
               <a:rPr lang="en-IN" smtClean="0"/>
-              <a:t>01-09-2025</a:t>
+              <a:t>04-09-2025</a:t>
             </a:fld>
             <a:endParaRPr lang="en-IN"/>
           </a:p>
@@ -673,7 +723,7 @@
           <a:p>
             <a:fld id="{84DD7F98-00CF-4D11-B35F-D5A1B70128AE}" type="datetimeFigureOut">
               <a:rPr lang="en-IN" smtClean="0"/>
-              <a:t>01-09-2025</a:t>
+              <a:t>04-09-2025</a:t>
             </a:fld>
             <a:endParaRPr lang="en-IN"/>
           </a:p>
@@ -873,7 +923,7 @@
           <a:p>
             <a:fld id="{84DD7F98-00CF-4D11-B35F-D5A1B70128AE}" type="datetimeFigureOut">
               <a:rPr lang="en-IN" smtClean="0"/>
-              <a:t>01-09-2025</a:t>
+              <a:t>04-09-2025</a:t>
             </a:fld>
             <a:endParaRPr lang="en-IN"/>
           </a:p>
@@ -1149,7 +1199,7 @@
           <a:p>
             <a:fld id="{84DD7F98-00CF-4D11-B35F-D5A1B70128AE}" type="datetimeFigureOut">
               <a:rPr lang="en-IN" smtClean="0"/>
-              <a:t>01-09-2025</a:t>
+              <a:t>04-09-2025</a:t>
             </a:fld>
             <a:endParaRPr lang="en-IN"/>
           </a:p>
@@ -1417,7 +1467,7 @@
           <a:p>
             <a:fld id="{84DD7F98-00CF-4D11-B35F-D5A1B70128AE}" type="datetimeFigureOut">
               <a:rPr lang="en-IN" smtClean="0"/>
-              <a:t>01-09-2025</a:t>
+              <a:t>04-09-2025</a:t>
             </a:fld>
             <a:endParaRPr lang="en-IN"/>
           </a:p>
@@ -1832,7 +1882,7 @@
           <a:p>
             <a:fld id="{84DD7F98-00CF-4D11-B35F-D5A1B70128AE}" type="datetimeFigureOut">
               <a:rPr lang="en-IN" smtClean="0"/>
-              <a:t>01-09-2025</a:t>
+              <a:t>04-09-2025</a:t>
             </a:fld>
             <a:endParaRPr lang="en-IN"/>
           </a:p>
@@ -1974,7 +2024,7 @@
           <a:p>
             <a:fld id="{84DD7F98-00CF-4D11-B35F-D5A1B70128AE}" type="datetimeFigureOut">
               <a:rPr lang="en-IN" smtClean="0"/>
-              <a:t>01-09-2025</a:t>
+              <a:t>04-09-2025</a:t>
             </a:fld>
             <a:endParaRPr lang="en-IN"/>
           </a:p>
@@ -2087,7 +2137,7 @@
           <a:p>
             <a:fld id="{84DD7F98-00CF-4D11-B35F-D5A1B70128AE}" type="datetimeFigureOut">
               <a:rPr lang="en-IN" smtClean="0"/>
-              <a:t>01-09-2025</a:t>
+              <a:t>04-09-2025</a:t>
             </a:fld>
             <a:endParaRPr lang="en-IN"/>
           </a:p>
@@ -2400,7 +2450,7 @@
           <a:p>
             <a:fld id="{84DD7F98-00CF-4D11-B35F-D5A1B70128AE}" type="datetimeFigureOut">
               <a:rPr lang="en-IN" smtClean="0"/>
-              <a:t>01-09-2025</a:t>
+              <a:t>04-09-2025</a:t>
             </a:fld>
             <a:endParaRPr lang="en-IN"/>
           </a:p>
@@ -2689,7 +2739,7 @@
           <a:p>
             <a:fld id="{84DD7F98-00CF-4D11-B35F-D5A1B70128AE}" type="datetimeFigureOut">
               <a:rPr lang="en-IN" smtClean="0"/>
-              <a:t>01-09-2025</a:t>
+              <a:t>04-09-2025</a:t>
             </a:fld>
             <a:endParaRPr lang="en-IN"/>
           </a:p>
@@ -2932,7 +2982,7 @@
           <a:p>
             <a:fld id="{84DD7F98-00CF-4D11-B35F-D5A1B70128AE}" type="datetimeFigureOut">
               <a:rPr lang="en-IN" smtClean="0"/>
-              <a:t>01-09-2025</a:t>
+              <a:t>04-09-2025</a:t>
             </a:fld>
             <a:endParaRPr lang="en-IN"/>
           </a:p>
@@ -3351,10 +3401,10 @@
       </p:grpSpPr>
       <p:pic>
         <p:nvPicPr>
-          <p:cNvPr id="5" name="Picture 4">
-            <a:extLst>
-              <a:ext uri="{FF2B5EF4-FFF2-40B4-BE49-F238E27FC236}">
-                <a16:creationId xmlns:a16="http://schemas.microsoft.com/office/drawing/2014/main" id="{CCEFF5BF-098C-EBE9-21FD-8071B9F3C227}"/>
+          <p:cNvPr id="3" name="Picture 2">
+            <a:extLst>
+              <a:ext uri="{FF2B5EF4-FFF2-40B4-BE49-F238E27FC236}">
+                <a16:creationId xmlns:a16="http://schemas.microsoft.com/office/drawing/2014/main" id="{13C4CA71-D37F-9333-F9B2-B75EBB5ACB4F}"/>
               </a:ext>
             </a:extLst>
           </p:cNvPr>
